--- a/doc/drone_swarming_presentation.pptx
+++ b/doc/drone_swarming_presentation.pptx
@@ -30940,7 +30940,7 @@
                 <a:cs typeface="Gill Sans"/>
                 <a:sym typeface="Gill Sans"/>
               </a:rPr>
-              <a:t>Activer la detection des pads.</a:t>
+              <a:t>Activer la détection des pads.</a:t>
             </a:r>
             <a:endParaRPr sz="1600">
               <a:latin typeface="Gill Sans"/>
@@ -31093,7 +31093,7 @@
                 <a:cs typeface="Gill Sans"/>
                 <a:sym typeface="Gill Sans"/>
               </a:rPr>
-              <a:t>, qui contient toutes les données est créer dans le chemin indiqué.</a:t>
+              <a:t>, qui contient toutes les données est créé dans le chemin indiqué.</a:t>
             </a:r>
             <a:endParaRPr sz="1600">
               <a:latin typeface="Gill Sans"/>
@@ -34923,7 +34923,7 @@
                 <a:cs typeface="Gill Sans"/>
                 <a:sym typeface="Gill Sans"/>
               </a:rPr>
-              <a:t>pouvoir déployer un essaim de drones Tellu Edu sous une configuration de contrôle centralisée.</a:t>
+              <a:t>Pouvoir déployer un essaim de drones Tellu Edu sous une configuration de contrôle centralisé.</a:t>
             </a:r>
             <a:endParaRPr>
               <a:solidFill>
@@ -37593,7 +37593,7 @@
                 <a:cs typeface="Gill Sans"/>
                 <a:sym typeface="Gill Sans"/>
               </a:rPr>
-              <a:t>Configuration manuel des drones:</a:t>
+              <a:t>Configuration manuelle des drones:</a:t>
             </a:r>
             <a:endParaRPr b="1" sz="1600">
               <a:latin typeface="Gill Sans"/>
@@ -42357,7 +42357,7 @@
                 <a:cs typeface="Gill Sans"/>
                 <a:sym typeface="Gill Sans"/>
               </a:rPr>
-              <a:t>Pour chaque drone de swarm, créer un processus qui est exécuté en arrière-plan et récupérer ses données tant qu’il est en vole. </a:t>
+              <a:t>Pour chaque drone de swarm, créer un processus qui est exécuté en arrière-plan et récupérer ses données tant qu’il est en vol. </a:t>
             </a:r>
             <a:endParaRPr sz="1600">
               <a:latin typeface="Gill Sans"/>
